--- a/PPT/KEY_Project_발표PPT.pptx
+++ b/PPT/KEY_Project_발표PPT.pptx
@@ -254,7 +254,7 @@
           <a:p>
             <a:fld id="{A82E3E29-120B-45F7-98F4-541B685C4E77}" type="datetimeFigureOut">
               <a:rPr lang="en-US" altLang="ko-KR"/>
-              <a:t>7/26/2021</a:t>
+              <a:t>7/29/2021</a:t>
             </a:fld>
             <a:endParaRPr lang="ko-KR" altLang="en-US"/>
           </a:p>
@@ -2765,7 +2765,7 @@
               <a:defRPr/>
             </a:pPr>
             <a:r>
-              <a:rPr lang="ko-KR" altLang="en-US" err="1">
+              <a:rPr lang="ko-KR" altLang="en-US" dirty="0" err="1">
                 <a:ea typeface="맑은 고딕"/>
               </a:rPr>
               <a:t>백엔드</a:t>
@@ -3120,7 +3120,7 @@
               <a:t>api</a:t>
             </a:r>
             <a:r>
-              <a:rPr lang="ko-KR" altLang="en-US" err="1">
+              <a:rPr lang="ko-KR" altLang="en-US" dirty="0" err="1">
                 <a:ea typeface="맑은 고딕"/>
               </a:rPr>
               <a:t>를</a:t>
@@ -5959,7 +5959,7 @@
           <a:p>
             <a:fld id="{F8166F1F-CE9B-4651-A6AA-CD717754106B}" type="datetimeFigureOut">
               <a:rPr lang="en-US" smtClean="0"/>
-              <a:t>7/26/2021</a:t>
+              <a:t>7/29/2021</a:t>
             </a:fld>
             <a:endParaRPr lang="en-US"/>
           </a:p>
@@ -6122,7 +6122,7 @@
           <a:p>
             <a:fld id="{A76116CE-C4A3-4A05-B2D7-7C2E9A889C0F}" type="datetimeFigureOut">
               <a:rPr lang="en-US" smtClean="0"/>
-              <a:t>7/26/2021</a:t>
+              <a:t>7/29/2021</a:t>
             </a:fld>
             <a:endParaRPr lang="en-US"/>
           </a:p>
@@ -6295,7 +6295,7 @@
           <a:p>
             <a:fld id="{A76116CE-C4A3-4A05-B2D7-7C2E9A889C0F}" type="datetimeFigureOut">
               <a:rPr lang="en-US" smtClean="0"/>
-              <a:t>7/26/2021</a:t>
+              <a:t>7/29/2021</a:t>
             </a:fld>
             <a:endParaRPr lang="en-US"/>
           </a:p>
@@ -6460,7 +6460,7 @@
           <a:p>
             <a:fld id="{A76116CE-C4A3-4A05-B2D7-7C2E9A889C0F}" type="datetimeFigureOut">
               <a:rPr lang="en-US" smtClean="0"/>
-              <a:t>7/26/2021</a:t>
+              <a:t>7/29/2021</a:t>
             </a:fld>
             <a:endParaRPr lang="en-US"/>
           </a:p>
@@ -6700,7 +6700,7 @@
           <a:p>
             <a:fld id="{A76116CE-C4A3-4A05-B2D7-7C2E9A889C0F}" type="datetimeFigureOut">
               <a:rPr lang="en-US" smtClean="0"/>
-              <a:t>7/26/2021</a:t>
+              <a:t>7/29/2021</a:t>
             </a:fld>
             <a:endParaRPr lang="en-US"/>
           </a:p>
@@ -6980,7 +6980,7 @@
           <a:p>
             <a:fld id="{A76116CE-C4A3-4A05-B2D7-7C2E9A889C0F}" type="datetimeFigureOut">
               <a:rPr lang="en-US" smtClean="0"/>
-              <a:t>7/26/2021</a:t>
+              <a:t>7/29/2021</a:t>
             </a:fld>
             <a:endParaRPr lang="en-US"/>
           </a:p>
@@ -7394,7 +7394,7 @@
           <a:p>
             <a:fld id="{A76116CE-C4A3-4A05-B2D7-7C2E9A889C0F}" type="datetimeFigureOut">
               <a:rPr lang="en-US" smtClean="0"/>
-              <a:t>7/26/2021</a:t>
+              <a:t>7/29/2021</a:t>
             </a:fld>
             <a:endParaRPr lang="en-US"/>
           </a:p>
@@ -7506,7 +7506,7 @@
           <a:p>
             <a:fld id="{A76116CE-C4A3-4A05-B2D7-7C2E9A889C0F}" type="datetimeFigureOut">
               <a:rPr lang="en-US" smtClean="0"/>
-              <a:t>7/26/2021</a:t>
+              <a:t>7/29/2021</a:t>
             </a:fld>
             <a:endParaRPr lang="en-US"/>
           </a:p>
@@ -7596,7 +7596,7 @@
           <a:p>
             <a:fld id="{A76116CE-C4A3-4A05-B2D7-7C2E9A889C0F}" type="datetimeFigureOut">
               <a:rPr lang="en-US" smtClean="0"/>
-              <a:t>7/26/2021</a:t>
+              <a:t>7/29/2021</a:t>
             </a:fld>
             <a:endParaRPr lang="en-US"/>
           </a:p>
@@ -7866,7 +7866,7 @@
           <a:p>
             <a:fld id="{A76116CE-C4A3-4A05-B2D7-7C2E9A889C0F}" type="datetimeFigureOut">
               <a:rPr lang="en-US" smtClean="0"/>
-              <a:t>7/26/2021</a:t>
+              <a:t>7/29/2021</a:t>
             </a:fld>
             <a:endParaRPr lang="en-US"/>
           </a:p>
@@ -8113,7 +8113,7 @@
           <a:p>
             <a:fld id="{A76116CE-C4A3-4A05-B2D7-7C2E9A889C0F}" type="datetimeFigureOut">
               <a:rPr lang="en-US" smtClean="0"/>
-              <a:t>7/26/2021</a:t>
+              <a:t>7/29/2021</a:t>
             </a:fld>
             <a:endParaRPr lang="en-US"/>
           </a:p>
@@ -8319,7 +8319,7 @@
           <a:p>
             <a:fld id="{F8166F1F-CE9B-4651-A6AA-CD717754106B}" type="datetimeFigureOut">
               <a:rPr lang="en-US" smtClean="0"/>
-              <a:t>7/26/2021</a:t>
+              <a:t>7/29/2021</a:t>
             </a:fld>
             <a:endParaRPr lang="en-US"/>
           </a:p>
@@ -20350,189 +20350,6 @@
       </p:grpSpPr>
       <p:sp>
         <p:nvSpPr>
-          <p:cNvPr id="969" name="사각형: 둥근 모서리 968">
-            <a:extLst>
-              <a:ext uri="{FF2B5EF4-FFF2-40B4-BE49-F238E27FC236}">
-                <a16:creationId xmlns:a16="http://schemas.microsoft.com/office/drawing/2014/main" id="{18233C0E-11CE-4A89-BFB7-4915E8A4815B}"/>
-              </a:ext>
-            </a:extLst>
-          </p:cNvPr>
-          <p:cNvSpPr/>
-          <p:nvPr/>
-        </p:nvSpPr>
-        <p:spPr>
-          <a:xfrm>
-            <a:off x="1121363" y="1895922"/>
-            <a:ext cx="16323949" cy="7840060"/>
-          </a:xfrm>
-          <a:prstGeom prst="roundRect">
-            <a:avLst>
-              <a:gd name="adj" fmla="val 5591"/>
-            </a:avLst>
-          </a:prstGeom>
-          <a:solidFill>
-            <a:schemeClr val="bg2"/>
-          </a:solidFill>
-          <a:ln>
-            <a:noFill/>
-          </a:ln>
-        </p:spPr>
-        <p:style>
-          <a:lnRef idx="2">
-            <a:schemeClr val="accent1">
-              <a:shade val="50000"/>
-            </a:schemeClr>
-          </a:lnRef>
-          <a:fillRef idx="1">
-            <a:schemeClr val="accent1"/>
-          </a:fillRef>
-          <a:effectRef idx="0">
-            <a:schemeClr val="accent1"/>
-          </a:effectRef>
-          <a:fontRef idx="minor">
-            <a:schemeClr val="lt1"/>
-          </a:fontRef>
-        </p:style>
-        <p:txBody>
-          <a:bodyPr rtlCol="0" anchor="ctr"/>
-          <a:lstStyle/>
-          <a:p>
-            <a:pPr algn="ctr"/>
-            <a:endParaRPr lang="ko-KR" altLang="en-US" sz="2800">
-              <a:solidFill>
-                <a:schemeClr val="tx1"/>
-              </a:solidFill>
-              <a:latin typeface="나눔스퀘어_ac ExtraBold" panose="020B0600000101010101" pitchFamily="50" charset="-127"/>
-              <a:ea typeface="나눔스퀘어_ac ExtraBold" panose="020B0600000101010101" pitchFamily="50" charset="-127"/>
-            </a:endParaRPr>
-          </a:p>
-        </p:txBody>
-      </p:sp>
-      <p:sp>
-        <p:nvSpPr>
-          <p:cNvPr id="45" name="직사각형 44">
-            <a:extLst>
-              <a:ext uri="{FF2B5EF4-FFF2-40B4-BE49-F238E27FC236}">
-                <a16:creationId xmlns:a16="http://schemas.microsoft.com/office/drawing/2014/main" id="{25FE063E-B729-4E85-ABC3-0F1E330EB286}"/>
-              </a:ext>
-            </a:extLst>
-          </p:cNvPr>
-          <p:cNvSpPr/>
-          <p:nvPr/>
-        </p:nvSpPr>
-        <p:spPr>
-          <a:xfrm>
-            <a:off x="8213567" y="2705910"/>
-            <a:ext cx="8824254" cy="6066622"/>
-          </a:xfrm>
-          <a:prstGeom prst="rect">
-            <a:avLst/>
-          </a:prstGeom>
-          <a:solidFill>
-            <a:srgbClr val="FEF4EC"/>
-          </a:solidFill>
-          <a:ln>
-            <a:solidFill>
-              <a:schemeClr val="tx1"/>
-            </a:solidFill>
-          </a:ln>
-        </p:spPr>
-        <p:style>
-          <a:lnRef idx="2">
-            <a:schemeClr val="accent1">
-              <a:shade val="50000"/>
-            </a:schemeClr>
-          </a:lnRef>
-          <a:fillRef idx="1">
-            <a:schemeClr val="accent1"/>
-          </a:fillRef>
-          <a:effectRef idx="0">
-            <a:schemeClr val="accent1"/>
-          </a:effectRef>
-          <a:fontRef idx="minor">
-            <a:schemeClr val="lt1"/>
-          </a:fontRef>
-        </p:style>
-        <p:txBody>
-          <a:bodyPr rtlCol="0" anchor="ctr"/>
-          <a:lstStyle/>
-          <a:p>
-            <a:pPr algn="ctr"/>
-            <a:endParaRPr lang="ko-KR" altLang="en-US" sz="2800">
-              <a:solidFill>
-                <a:schemeClr val="tx1"/>
-              </a:solidFill>
-              <a:latin typeface="나눔스퀘어_ac ExtraBold" panose="020B0600000101010101" pitchFamily="50" charset="-127"/>
-              <a:ea typeface="나눔스퀘어_ac ExtraBold" panose="020B0600000101010101" pitchFamily="50" charset="-127"/>
-            </a:endParaRPr>
-          </a:p>
-        </p:txBody>
-      </p:sp>
-      <p:sp>
-        <p:nvSpPr>
-          <p:cNvPr id="7" name="직사각형 6">
-            <a:extLst>
-              <a:ext uri="{FF2B5EF4-FFF2-40B4-BE49-F238E27FC236}">
-                <a16:creationId xmlns:a16="http://schemas.microsoft.com/office/drawing/2014/main" id="{D4016413-9CD8-4B8E-8B9C-DC1E18648C19}"/>
-              </a:ext>
-            </a:extLst>
-          </p:cNvPr>
-          <p:cNvSpPr/>
-          <p:nvPr/>
-        </p:nvSpPr>
-        <p:spPr>
-          <a:xfrm>
-            <a:off x="4297773" y="4483051"/>
-            <a:ext cx="2561191" cy="3586656"/>
-          </a:xfrm>
-          <a:prstGeom prst="rect">
-            <a:avLst/>
-          </a:prstGeom>
-          <a:solidFill>
-            <a:srgbClr val="FFFFEB"/>
-          </a:solidFill>
-          <a:ln>
-            <a:solidFill>
-              <a:schemeClr val="tx1">
-                <a:lumMod val="95000"/>
-                <a:lumOff val="5000"/>
-              </a:schemeClr>
-            </a:solidFill>
-          </a:ln>
-        </p:spPr>
-        <p:style>
-          <a:lnRef idx="2">
-            <a:schemeClr val="accent1">
-              <a:shade val="50000"/>
-            </a:schemeClr>
-          </a:lnRef>
-          <a:fillRef idx="1">
-            <a:schemeClr val="accent1"/>
-          </a:fillRef>
-          <a:effectRef idx="0">
-            <a:schemeClr val="accent1"/>
-          </a:effectRef>
-          <a:fontRef idx="minor">
-            <a:schemeClr val="lt1"/>
-          </a:fontRef>
-        </p:style>
-        <p:txBody>
-          <a:bodyPr rtlCol="0" anchor="ctr"/>
-          <a:lstStyle/>
-          <a:p>
-            <a:pPr algn="ctr"/>
-            <a:endParaRPr lang="ko-KR" altLang="en-US" sz="2800">
-              <a:solidFill>
-                <a:schemeClr val="tx1"/>
-              </a:solidFill>
-              <a:latin typeface="나눔스퀘어_ac ExtraBold" panose="020B0600000101010101" pitchFamily="50" charset="-127"/>
-              <a:ea typeface="나눔스퀘어_ac ExtraBold" panose="020B0600000101010101" pitchFamily="50" charset="-127"/>
-            </a:endParaRPr>
-          </a:p>
-        </p:txBody>
-      </p:sp>
-      <p:sp>
-        <p:nvSpPr>
           <p:cNvPr id="2" name="Object 2"/>
           <p:cNvSpPr txBox="1"/>
           <p:nvPr/>
@@ -20567,818 +20384,1022 @@
           </a:p>
         </p:txBody>
       </p:sp>
-      <p:sp>
-        <p:nvSpPr>
-          <p:cNvPr id="40" name="직사각형 39">
+      <p:grpSp>
+        <p:nvGrpSpPr>
+          <p:cNvPr id="4" name="그룹 3">
             <a:extLst>
               <a:ext uri="{FF2B5EF4-FFF2-40B4-BE49-F238E27FC236}">
-                <a16:creationId xmlns:a16="http://schemas.microsoft.com/office/drawing/2014/main" id="{CE2948C0-66F1-4022-9198-18B4842942F9}"/>
+                <a16:creationId xmlns:a16="http://schemas.microsoft.com/office/drawing/2014/main" id="{9DAF1133-3C46-4A91-BCA0-D8F0051BDA3B}"/>
               </a:ext>
             </a:extLst>
           </p:cNvPr>
-          <p:cNvSpPr/>
+          <p:cNvGrpSpPr/>
           <p:nvPr/>
-        </p:nvSpPr>
-        <p:spPr>
+        </p:nvGrpSpPr>
+        <p:grpSpPr>
           <a:xfrm>
-            <a:off x="8577619" y="3139496"/>
-            <a:ext cx="3550035" cy="5278577"/>
+            <a:off x="1121363" y="1895922"/>
+            <a:ext cx="16323949" cy="7840060"/>
+            <a:chOff x="1121363" y="1895922"/>
+            <a:chExt cx="16323949" cy="7840060"/>
           </a:xfrm>
-          <a:prstGeom prst="rect">
-            <a:avLst/>
-          </a:prstGeom>
-          <a:solidFill>
-            <a:srgbClr val="EBF6F9"/>
-          </a:solidFill>
-          <a:ln>
+        </p:grpSpPr>
+        <p:sp>
+          <p:nvSpPr>
+            <p:cNvPr id="969" name="사각형: 둥근 모서리 968">
+              <a:extLst>
+                <a:ext uri="{FF2B5EF4-FFF2-40B4-BE49-F238E27FC236}">
+                  <a16:creationId xmlns:a16="http://schemas.microsoft.com/office/drawing/2014/main" id="{18233C0E-11CE-4A89-BFB7-4915E8A4815B}"/>
+                </a:ext>
+              </a:extLst>
+            </p:cNvPr>
+            <p:cNvSpPr/>
+            <p:nvPr/>
+          </p:nvSpPr>
+          <p:spPr>
+            <a:xfrm>
+              <a:off x="1121363" y="1895922"/>
+              <a:ext cx="16323949" cy="7840060"/>
+            </a:xfrm>
+            <a:prstGeom prst="roundRect">
+              <a:avLst>
+                <a:gd name="adj" fmla="val 5591"/>
+              </a:avLst>
+            </a:prstGeom>
             <a:solidFill>
-              <a:schemeClr val="tx1">
-                <a:lumMod val="95000"/>
-                <a:lumOff val="5000"/>
+              <a:schemeClr val="bg2"/>
+            </a:solidFill>
+            <a:ln>
+              <a:noFill/>
+            </a:ln>
+          </p:spPr>
+          <p:style>
+            <a:lnRef idx="2">
+              <a:schemeClr val="accent1">
+                <a:shade val="50000"/>
               </a:schemeClr>
-            </a:solidFill>
-          </a:ln>
-        </p:spPr>
-        <p:style>
-          <a:lnRef idx="2">
-            <a:schemeClr val="accent1">
-              <a:shade val="50000"/>
-            </a:schemeClr>
-          </a:lnRef>
-          <a:fillRef idx="1">
-            <a:schemeClr val="accent1"/>
-          </a:fillRef>
-          <a:effectRef idx="0">
-            <a:schemeClr val="accent1"/>
-          </a:effectRef>
-          <a:fontRef idx="minor">
-            <a:schemeClr val="lt1"/>
-          </a:fontRef>
-        </p:style>
-        <p:txBody>
-          <a:bodyPr rtlCol="0" anchor="ctr"/>
-          <a:lstStyle/>
-          <a:p>
-            <a:pPr algn="ctr"/>
-            <a:endParaRPr lang="ko-KR" altLang="en-US" sz="2800">
-              <a:solidFill>
-                <a:schemeClr val="tx1"/>
-              </a:solidFill>
-              <a:latin typeface="나눔스퀘어_ac ExtraBold" panose="020B0600000101010101" pitchFamily="50" charset="-127"/>
-              <a:ea typeface="나눔스퀘어_ac ExtraBold" panose="020B0600000101010101" pitchFamily="50" charset="-127"/>
-            </a:endParaRPr>
-          </a:p>
-        </p:txBody>
-      </p:sp>
-      <p:pic>
-        <p:nvPicPr>
-          <p:cNvPr id="17" name="그림 16">
-            <a:extLst>
-              <a:ext uri="{FF2B5EF4-FFF2-40B4-BE49-F238E27FC236}">
-                <a16:creationId xmlns:a16="http://schemas.microsoft.com/office/drawing/2014/main" id="{88D89CB4-8494-40F2-A8AD-F2A1FD26176B}"/>
-              </a:ext>
-            </a:extLst>
-          </p:cNvPr>
-          <p:cNvPicPr>
-            <a:picLocks noChangeAspect="1"/>
-          </p:cNvPicPr>
-          <p:nvPr/>
-        </p:nvPicPr>
-        <p:blipFill>
-          <a:blip r:embed="rId3">
-            <a:extLst>
-              <a:ext uri="{28A0092B-C50C-407E-A947-70E740481C1C}">
-                <a14:useLocalDpi xmlns:a14="http://schemas.microsoft.com/office/drawing/2010/main" val="0"/>
-              </a:ext>
-            </a:extLst>
-          </a:blip>
-          <a:stretch>
-            <a:fillRect/>
-          </a:stretch>
-        </p:blipFill>
-        <p:spPr>
-          <a:xfrm>
-            <a:off x="13867089" y="4729206"/>
-            <a:ext cx="2807320" cy="2807320"/>
-          </a:xfrm>
-          <a:prstGeom prst="rect">
-            <a:avLst/>
-          </a:prstGeom>
-        </p:spPr>
-      </p:pic>
-      <p:pic>
-        <p:nvPicPr>
-          <p:cNvPr id="20" name="그림 19">
-            <a:extLst>
-              <a:ext uri="{FF2B5EF4-FFF2-40B4-BE49-F238E27FC236}">
-                <a16:creationId xmlns:a16="http://schemas.microsoft.com/office/drawing/2014/main" id="{F9203BA7-8F3C-4181-B6B8-5BEBEDFE73CB}"/>
-              </a:ext>
-            </a:extLst>
-          </p:cNvPr>
-          <p:cNvPicPr>
-            <a:picLocks noChangeAspect="1"/>
-          </p:cNvPicPr>
-          <p:nvPr/>
-        </p:nvPicPr>
-        <p:blipFill>
-          <a:blip r:embed="rId4" cstate="print">
-            <a:extLst>
-              <a:ext uri="{28A0092B-C50C-407E-A947-70E740481C1C}">
-                <a14:useLocalDpi xmlns:a14="http://schemas.microsoft.com/office/drawing/2010/main" val="0"/>
-              </a:ext>
-            </a:extLst>
-          </a:blip>
-          <a:stretch>
-            <a:fillRect/>
-          </a:stretch>
-        </p:blipFill>
-        <p:spPr>
-          <a:xfrm>
-            <a:off x="14045551" y="3281906"/>
-            <a:ext cx="2450395" cy="1263995"/>
-          </a:xfrm>
-          <a:prstGeom prst="rect">
-            <a:avLst/>
-          </a:prstGeom>
-        </p:spPr>
-      </p:pic>
-      <p:cxnSp>
-        <p:nvCxnSpPr>
-          <p:cNvPr id="27" name="직선 화살표 연결선 26">
-            <a:extLst>
-              <a:ext uri="{FF2B5EF4-FFF2-40B4-BE49-F238E27FC236}">
-                <a16:creationId xmlns:a16="http://schemas.microsoft.com/office/drawing/2014/main" id="{5F239B3C-A82A-489C-899D-00DE22BBD30C}"/>
-              </a:ext>
-            </a:extLst>
-          </p:cNvPr>
-          <p:cNvCxnSpPr>
-            <a:cxnSpLocks/>
-          </p:cNvCxnSpPr>
-          <p:nvPr/>
-        </p:nvCxnSpPr>
-        <p:spPr>
-          <a:xfrm>
-            <a:off x="12127654" y="6132866"/>
-            <a:ext cx="1739435" cy="1"/>
-          </a:xfrm>
-          <a:prstGeom prst="straightConnector1">
-            <a:avLst/>
-          </a:prstGeom>
-          <a:ln w="38100">
-            <a:headEnd type="triangle"/>
-            <a:tailEnd type="triangle"/>
-          </a:ln>
-        </p:spPr>
-        <p:style>
-          <a:lnRef idx="1">
-            <a:schemeClr val="dk1"/>
-          </a:lnRef>
-          <a:fillRef idx="0">
-            <a:schemeClr val="dk1"/>
-          </a:fillRef>
-          <a:effectRef idx="0">
-            <a:schemeClr val="dk1"/>
-          </a:effectRef>
-          <a:fontRef idx="minor">
-            <a:schemeClr val="tx1"/>
-          </a:fontRef>
-        </p:style>
-      </p:cxnSp>
-      <p:pic>
-        <p:nvPicPr>
-          <p:cNvPr id="33" name="그림 32">
-            <a:extLst>
-              <a:ext uri="{FF2B5EF4-FFF2-40B4-BE49-F238E27FC236}">
-                <a16:creationId xmlns:a16="http://schemas.microsoft.com/office/drawing/2014/main" id="{60371B25-97FD-48BD-B8D3-D6E522ECD26F}"/>
-              </a:ext>
-            </a:extLst>
-          </p:cNvPr>
-          <p:cNvPicPr>
-            <a:picLocks noChangeAspect="1"/>
-          </p:cNvPicPr>
-          <p:nvPr/>
-        </p:nvPicPr>
-        <p:blipFill>
-          <a:blip r:embed="rId5" cstate="print">
-            <a:extLst>
-              <a:ext uri="{28A0092B-C50C-407E-A947-70E740481C1C}">
-                <a14:useLocalDpi xmlns:a14="http://schemas.microsoft.com/office/drawing/2010/main" val="0"/>
-              </a:ext>
-            </a:extLst>
-          </a:blip>
-          <a:stretch>
-            <a:fillRect/>
-          </a:stretch>
-        </p:blipFill>
-        <p:spPr>
-          <a:xfrm>
-            <a:off x="9747538" y="6732361"/>
-            <a:ext cx="1400970" cy="1395497"/>
-          </a:xfrm>
-          <a:prstGeom prst="rect">
-            <a:avLst/>
-          </a:prstGeom>
-        </p:spPr>
-      </p:pic>
-      <p:pic>
-        <p:nvPicPr>
-          <p:cNvPr id="44" name="그림 43">
-            <a:extLst>
-              <a:ext uri="{FF2B5EF4-FFF2-40B4-BE49-F238E27FC236}">
-                <a16:creationId xmlns:a16="http://schemas.microsoft.com/office/drawing/2014/main" id="{99D256B1-14B9-40EF-8CB0-A86F868D79A5}"/>
-              </a:ext>
-            </a:extLst>
-          </p:cNvPr>
-          <p:cNvPicPr>
-            <a:picLocks noChangeAspect="1"/>
-          </p:cNvPicPr>
-          <p:nvPr/>
-        </p:nvPicPr>
-        <p:blipFill rotWithShape="1">
-          <a:blip r:embed="rId6">
-            <a:extLst>
-              <a:ext uri="{28A0092B-C50C-407E-A947-70E740481C1C}">
-                <a14:useLocalDpi xmlns:a14="http://schemas.microsoft.com/office/drawing/2010/main" val="0"/>
-              </a:ext>
-            </a:extLst>
-          </a:blip>
-          <a:srcRect l="31001" t="781" r="32260" b="6734"/>
-          <a:stretch/>
-        </p:blipFill>
-        <p:spPr>
-          <a:xfrm>
-            <a:off x="12531836" y="1896064"/>
-            <a:ext cx="1322683" cy="2143535"/>
-          </a:xfrm>
-          <a:prstGeom prst="rect">
-            <a:avLst/>
-          </a:prstGeom>
-        </p:spPr>
-      </p:pic>
-      <p:pic>
-        <p:nvPicPr>
-          <p:cNvPr id="47" name="그림 46">
-            <a:extLst>
-              <a:ext uri="{FF2B5EF4-FFF2-40B4-BE49-F238E27FC236}">
-                <a16:creationId xmlns:a16="http://schemas.microsoft.com/office/drawing/2014/main" id="{7AE1A641-D81B-4D9B-98E7-114F7222CDAC}"/>
-              </a:ext>
-            </a:extLst>
-          </p:cNvPr>
-          <p:cNvPicPr>
-            <a:picLocks noChangeAspect="1"/>
-          </p:cNvPicPr>
-          <p:nvPr/>
-        </p:nvPicPr>
-        <p:blipFill>
-          <a:blip r:embed="rId7">
-            <a:extLst>
-              <a:ext uri="{28A0092B-C50C-407E-A947-70E740481C1C}">
-                <a14:useLocalDpi xmlns:a14="http://schemas.microsoft.com/office/drawing/2010/main" val="0"/>
-              </a:ext>
-            </a:extLst>
-          </a:blip>
-          <a:stretch>
-            <a:fillRect/>
-          </a:stretch>
-        </p:blipFill>
-        <p:spPr>
-          <a:xfrm>
-            <a:off x="9221032" y="5749668"/>
-            <a:ext cx="2554263" cy="774518"/>
-          </a:xfrm>
-          <a:prstGeom prst="rect">
-            <a:avLst/>
-          </a:prstGeom>
-        </p:spPr>
-      </p:pic>
-      <p:pic>
-        <p:nvPicPr>
-          <p:cNvPr id="49" name="그림 48">
-            <a:extLst>
-              <a:ext uri="{FF2B5EF4-FFF2-40B4-BE49-F238E27FC236}">
-                <a16:creationId xmlns:a16="http://schemas.microsoft.com/office/drawing/2014/main" id="{52C83B14-6FBC-47B8-8971-485771A5992A}"/>
-              </a:ext>
-            </a:extLst>
-          </p:cNvPr>
-          <p:cNvPicPr>
-            <a:picLocks noChangeAspect="1"/>
-          </p:cNvPicPr>
-          <p:nvPr/>
-        </p:nvPicPr>
-        <p:blipFill>
-          <a:blip r:embed="rId8" cstate="print">
-            <a:extLst>
-              <a:ext uri="{28A0092B-C50C-407E-A947-70E740481C1C}">
-                <a14:useLocalDpi xmlns:a14="http://schemas.microsoft.com/office/drawing/2010/main" val="0"/>
-              </a:ext>
-            </a:extLst>
-          </a:blip>
-          <a:stretch>
-            <a:fillRect/>
-          </a:stretch>
-        </p:blipFill>
-        <p:spPr>
-          <a:xfrm>
-            <a:off x="9491571" y="4497156"/>
-            <a:ext cx="1786028" cy="1092547"/>
-          </a:xfrm>
-          <a:prstGeom prst="rect">
-            <a:avLst/>
-          </a:prstGeom>
-        </p:spPr>
-      </p:pic>
-      <p:pic>
-        <p:nvPicPr>
-          <p:cNvPr id="51" name="그림 50">
-            <a:extLst>
-              <a:ext uri="{FF2B5EF4-FFF2-40B4-BE49-F238E27FC236}">
-                <a16:creationId xmlns:a16="http://schemas.microsoft.com/office/drawing/2014/main" id="{CC022B3B-4E7E-441A-94F8-22CF7E838999}"/>
-              </a:ext>
-            </a:extLst>
-          </p:cNvPr>
-          <p:cNvPicPr>
-            <a:picLocks noChangeAspect="1"/>
-          </p:cNvPicPr>
-          <p:nvPr/>
-        </p:nvPicPr>
-        <p:blipFill>
-          <a:blip r:embed="rId9">
-            <a:extLst>
-              <a:ext uri="{28A0092B-C50C-407E-A947-70E740481C1C}">
-                <a14:useLocalDpi xmlns:a14="http://schemas.microsoft.com/office/drawing/2010/main" val="0"/>
-              </a:ext>
-            </a:extLst>
-          </a:blip>
-          <a:stretch>
-            <a:fillRect/>
-          </a:stretch>
-        </p:blipFill>
-        <p:spPr>
-          <a:xfrm>
-            <a:off x="1362832" y="4920972"/>
-            <a:ext cx="2693472" cy="2693472"/>
-          </a:xfrm>
-          <a:prstGeom prst="rect">
-            <a:avLst/>
-          </a:prstGeom>
-        </p:spPr>
-      </p:pic>
-      <p:sp>
-        <p:nvSpPr>
-          <p:cNvPr id="54" name="TextBox 53">
-            <a:extLst>
-              <a:ext uri="{FF2B5EF4-FFF2-40B4-BE49-F238E27FC236}">
-                <a16:creationId xmlns:a16="http://schemas.microsoft.com/office/drawing/2014/main" id="{A7C3BA3C-3DCF-482C-BAD5-0134A3092687}"/>
-              </a:ext>
-            </a:extLst>
-          </p:cNvPr>
-          <p:cNvSpPr txBox="1"/>
-          <p:nvPr/>
-        </p:nvSpPr>
-        <p:spPr>
-          <a:xfrm>
-            <a:off x="4301264" y="8194059"/>
-            <a:ext cx="2557700" cy="707886"/>
-          </a:xfrm>
-          <a:prstGeom prst="rect">
-            <a:avLst/>
-          </a:prstGeom>
-          <a:noFill/>
-        </p:spPr>
-        <p:txBody>
-          <a:bodyPr wrap="square" rtlCol="0">
-            <a:spAutoFit/>
-          </a:bodyPr>
-          <a:lstStyle/>
-          <a:p>
-            <a:r>
-              <a:rPr lang="en-US" altLang="ko-KR" sz="4000" b="1">
-                <a:latin typeface="나눔스퀘어 Bold"/>
-              </a:rPr>
-              <a:t>Front End</a:t>
-            </a:r>
-            <a:endParaRPr lang="ko-KR" altLang="en-US" sz="4000" b="1">
-              <a:latin typeface="나눔스퀘어 Bold"/>
-            </a:endParaRPr>
-          </a:p>
-        </p:txBody>
-      </p:sp>
-      <p:sp>
-        <p:nvSpPr>
-          <p:cNvPr id="66" name="TextBox 65">
-            <a:extLst>
-              <a:ext uri="{FF2B5EF4-FFF2-40B4-BE49-F238E27FC236}">
-                <a16:creationId xmlns:a16="http://schemas.microsoft.com/office/drawing/2014/main" id="{43A9034C-C055-41B5-8261-2991C3683370}"/>
-              </a:ext>
-            </a:extLst>
-          </p:cNvPr>
-          <p:cNvSpPr txBox="1"/>
-          <p:nvPr/>
-        </p:nvSpPr>
-        <p:spPr>
-          <a:xfrm>
-            <a:off x="9183116" y="8888329"/>
-            <a:ext cx="2529814" cy="707886"/>
-          </a:xfrm>
-          <a:prstGeom prst="rect">
-            <a:avLst/>
-          </a:prstGeom>
-          <a:noFill/>
-        </p:spPr>
-        <p:txBody>
-          <a:bodyPr wrap="square" rtlCol="0">
-            <a:spAutoFit/>
-          </a:bodyPr>
-          <a:lstStyle/>
-          <a:p>
-            <a:r>
-              <a:rPr lang="en-US" altLang="ko-KR" sz="4000" b="1">
-                <a:latin typeface="나눔스퀘어 Bold"/>
-              </a:rPr>
-              <a:t>Back End</a:t>
-            </a:r>
-            <a:endParaRPr lang="ko-KR" altLang="en-US" sz="4000" b="1">
-              <a:latin typeface="나눔스퀘어 Bold"/>
-            </a:endParaRPr>
-          </a:p>
-        </p:txBody>
-      </p:sp>
-      <p:sp>
-        <p:nvSpPr>
-          <p:cNvPr id="67" name="TextBox 66">
-            <a:extLst>
-              <a:ext uri="{FF2B5EF4-FFF2-40B4-BE49-F238E27FC236}">
-                <a16:creationId xmlns:a16="http://schemas.microsoft.com/office/drawing/2014/main" id="{7ED5F681-9153-411A-A65A-CAA7B0BAA501}"/>
-              </a:ext>
-            </a:extLst>
-          </p:cNvPr>
-          <p:cNvSpPr txBox="1"/>
-          <p:nvPr/>
-        </p:nvSpPr>
-        <p:spPr>
-          <a:xfrm>
-            <a:off x="14052914" y="7614444"/>
-            <a:ext cx="2557700" cy="707886"/>
-          </a:xfrm>
-          <a:prstGeom prst="rect">
-            <a:avLst/>
-          </a:prstGeom>
-          <a:noFill/>
-        </p:spPr>
-        <p:txBody>
-          <a:bodyPr wrap="square" rtlCol="0">
-            <a:spAutoFit/>
-          </a:bodyPr>
-          <a:lstStyle/>
-          <a:p>
-            <a:r>
-              <a:rPr lang="en-US" altLang="ko-KR" sz="4000" b="1" err="1">
-                <a:latin typeface="나눔스퀘어 Bold"/>
-              </a:rPr>
-              <a:t>DataBase</a:t>
-            </a:r>
-            <a:endParaRPr lang="ko-KR" altLang="en-US" sz="4000" b="1">
-              <a:latin typeface="나눔스퀘어 Bold"/>
-            </a:endParaRPr>
-          </a:p>
-        </p:txBody>
-      </p:sp>
-      <p:cxnSp>
-        <p:nvCxnSpPr>
-          <p:cNvPr id="963" name="직선 화살표 연결선 962">
-            <a:extLst>
-              <a:ext uri="{FF2B5EF4-FFF2-40B4-BE49-F238E27FC236}">
-                <a16:creationId xmlns:a16="http://schemas.microsoft.com/office/drawing/2014/main" id="{AEDD78ED-D233-4CBC-AA79-3215794C3F9A}"/>
-              </a:ext>
-            </a:extLst>
-          </p:cNvPr>
-          <p:cNvCxnSpPr/>
-          <p:nvPr/>
-        </p:nvCxnSpPr>
-        <p:spPr>
-          <a:xfrm>
-            <a:off x="5650939" y="5918279"/>
-            <a:ext cx="0" cy="677731"/>
-          </a:xfrm>
-          <a:prstGeom prst="straightConnector1">
-            <a:avLst/>
-          </a:prstGeom>
-          <a:ln w="38100">
-            <a:headEnd type="triangle"/>
-            <a:tailEnd type="triangle"/>
-          </a:ln>
-        </p:spPr>
-        <p:style>
-          <a:lnRef idx="1">
-            <a:schemeClr val="dk1"/>
-          </a:lnRef>
-          <a:fillRef idx="0">
-            <a:schemeClr val="dk1"/>
-          </a:fillRef>
-          <a:effectRef idx="0">
-            <a:schemeClr val="dk1"/>
-          </a:effectRef>
-          <a:fontRef idx="minor">
-            <a:schemeClr val="tx1"/>
-          </a:fontRef>
-        </p:style>
-      </p:cxnSp>
-      <p:cxnSp>
-        <p:nvCxnSpPr>
-          <p:cNvPr id="90" name="직선 화살표 연결선 89">
-            <a:extLst>
-              <a:ext uri="{FF2B5EF4-FFF2-40B4-BE49-F238E27FC236}">
-                <a16:creationId xmlns:a16="http://schemas.microsoft.com/office/drawing/2014/main" id="{060554A1-5613-488E-87B0-83EE01015553}"/>
-              </a:ext>
-            </a:extLst>
-          </p:cNvPr>
-          <p:cNvCxnSpPr>
-            <a:cxnSpLocks/>
-          </p:cNvCxnSpPr>
-          <p:nvPr/>
-        </p:nvCxnSpPr>
-        <p:spPr>
-          <a:xfrm flipV="1">
-            <a:off x="6842968" y="6118924"/>
-            <a:ext cx="1378807" cy="13942"/>
-          </a:xfrm>
-          <a:prstGeom prst="straightConnector1">
-            <a:avLst/>
-          </a:prstGeom>
-          <a:ln w="38100">
-            <a:headEnd type="triangle"/>
-            <a:tailEnd type="triangle"/>
-          </a:ln>
-        </p:spPr>
-        <p:style>
-          <a:lnRef idx="1">
-            <a:schemeClr val="dk1"/>
-          </a:lnRef>
-          <a:fillRef idx="0">
-            <a:schemeClr val="dk1"/>
-          </a:fillRef>
-          <a:effectRef idx="0">
-            <a:schemeClr val="dk1"/>
-          </a:effectRef>
-          <a:fontRef idx="minor">
-            <a:schemeClr val="tx1"/>
-          </a:fontRef>
-        </p:style>
-      </p:cxnSp>
-      <p:sp>
-        <p:nvSpPr>
-          <p:cNvPr id="974" name="사각형: 둥근 모서리 973">
-            <a:extLst>
-              <a:ext uri="{FF2B5EF4-FFF2-40B4-BE49-F238E27FC236}">
-                <a16:creationId xmlns:a16="http://schemas.microsoft.com/office/drawing/2014/main" id="{54053ED3-7C57-486C-90F8-F348AFFD21AA}"/>
-              </a:ext>
-            </a:extLst>
-          </p:cNvPr>
-          <p:cNvSpPr/>
-          <p:nvPr/>
-        </p:nvSpPr>
-        <p:spPr>
-          <a:xfrm>
-            <a:off x="4751601" y="5022193"/>
-            <a:ext cx="1704104" cy="864544"/>
-          </a:xfrm>
-          <a:prstGeom prst="roundRect">
-            <a:avLst/>
-          </a:prstGeom>
-          <a:solidFill>
-            <a:srgbClr val="EBF6F9"/>
-          </a:solidFill>
-          <a:ln>
-            <a:solidFill>
-              <a:schemeClr val="tx1"/>
-            </a:solidFill>
-          </a:ln>
-        </p:spPr>
-        <p:style>
-          <a:lnRef idx="2">
-            <a:schemeClr val="accent1">
-              <a:shade val="50000"/>
-            </a:schemeClr>
-          </a:lnRef>
-          <a:fillRef idx="1">
-            <a:schemeClr val="accent1"/>
-          </a:fillRef>
-          <a:effectRef idx="0">
-            <a:schemeClr val="accent1"/>
-          </a:effectRef>
-          <a:fontRef idx="minor">
-            <a:schemeClr val="lt1"/>
-          </a:fontRef>
-        </p:style>
-        <p:txBody>
-          <a:bodyPr rtlCol="0" anchor="ctr"/>
-          <a:lstStyle/>
-          <a:p>
-            <a:pPr algn="ctr"/>
-            <a:r>
-              <a:rPr lang="en-US" altLang="ko-KR" sz="2800">
+            </a:lnRef>
+            <a:fillRef idx="1">
+              <a:schemeClr val="accent1"/>
+            </a:fillRef>
+            <a:effectRef idx="0">
+              <a:schemeClr val="accent1"/>
+            </a:effectRef>
+            <a:fontRef idx="minor">
+              <a:schemeClr val="lt1"/>
+            </a:fontRef>
+          </p:style>
+          <p:txBody>
+            <a:bodyPr rtlCol="0" anchor="ctr"/>
+            <a:lstStyle/>
+            <a:p>
+              <a:pPr algn="ctr"/>
+              <a:endParaRPr lang="ko-KR" altLang="en-US" sz="2800">
                 <a:solidFill>
                   <a:schemeClr val="tx1"/>
                 </a:solidFill>
                 <a:latin typeface="나눔스퀘어_ac ExtraBold" panose="020B0600000101010101" pitchFamily="50" charset="-127"/>
                 <a:ea typeface="나눔스퀘어_ac ExtraBold" panose="020B0600000101010101" pitchFamily="50" charset="-127"/>
-              </a:rPr>
-              <a:t>Router</a:t>
-            </a:r>
-            <a:endParaRPr lang="ko-KR" altLang="en-US" sz="2800">
+              </a:endParaRPr>
+            </a:p>
+          </p:txBody>
+        </p:sp>
+        <p:sp>
+          <p:nvSpPr>
+            <p:cNvPr id="45" name="직사각형 44">
+              <a:extLst>
+                <a:ext uri="{FF2B5EF4-FFF2-40B4-BE49-F238E27FC236}">
+                  <a16:creationId xmlns:a16="http://schemas.microsoft.com/office/drawing/2014/main" id="{25FE063E-B729-4E85-ABC3-0F1E330EB286}"/>
+                </a:ext>
+              </a:extLst>
+            </p:cNvPr>
+            <p:cNvSpPr/>
+            <p:nvPr/>
+          </p:nvSpPr>
+          <p:spPr>
+            <a:xfrm>
+              <a:off x="8213567" y="2705910"/>
+              <a:ext cx="8824254" cy="6066622"/>
+            </a:xfrm>
+            <a:prstGeom prst="rect">
+              <a:avLst/>
+            </a:prstGeom>
+            <a:solidFill>
+              <a:srgbClr val="FEF4EC"/>
+            </a:solidFill>
+            <a:ln>
               <a:solidFill>
                 <a:schemeClr val="tx1"/>
               </a:solidFill>
-              <a:latin typeface="나눔스퀘어_ac ExtraBold" panose="020B0600000101010101" pitchFamily="50" charset="-127"/>
-              <a:ea typeface="나눔스퀘어_ac ExtraBold" panose="020B0600000101010101" pitchFamily="50" charset="-127"/>
-            </a:endParaRPr>
-          </a:p>
-        </p:txBody>
-      </p:sp>
-      <p:sp>
-        <p:nvSpPr>
-          <p:cNvPr id="93" name="사각형: 둥근 모서리 92">
-            <a:extLst>
-              <a:ext uri="{FF2B5EF4-FFF2-40B4-BE49-F238E27FC236}">
-                <a16:creationId xmlns:a16="http://schemas.microsoft.com/office/drawing/2014/main" id="{471EBD24-D5BC-4E49-92E4-4174D0ABE20E}"/>
-              </a:ext>
-            </a:extLst>
-          </p:cNvPr>
-          <p:cNvSpPr/>
-          <p:nvPr/>
-        </p:nvSpPr>
-        <p:spPr>
-          <a:xfrm>
-            <a:off x="4775624" y="6624924"/>
-            <a:ext cx="1704104" cy="864544"/>
-          </a:xfrm>
-          <a:prstGeom prst="roundRect">
-            <a:avLst/>
-          </a:prstGeom>
-          <a:solidFill>
-            <a:srgbClr val="EBF6F9"/>
-          </a:solidFill>
-          <a:ln>
-            <a:solidFill>
-              <a:schemeClr val="tx1"/>
-            </a:solidFill>
-          </a:ln>
-        </p:spPr>
-        <p:style>
-          <a:lnRef idx="2">
-            <a:schemeClr val="accent1">
-              <a:shade val="50000"/>
-            </a:schemeClr>
-          </a:lnRef>
-          <a:fillRef idx="1">
-            <a:schemeClr val="accent1"/>
-          </a:fillRef>
-          <a:effectRef idx="0">
-            <a:schemeClr val="accent1"/>
-          </a:effectRef>
-          <a:fontRef idx="minor">
-            <a:schemeClr val="lt1"/>
-          </a:fontRef>
-        </p:style>
-        <p:txBody>
-          <a:bodyPr rtlCol="0" anchor="ctr"/>
-          <a:lstStyle/>
-          <a:p>
-            <a:pPr algn="ctr"/>
-            <a:r>
-              <a:rPr lang="en-US" altLang="ko-KR" sz="2800">
+            </a:ln>
+          </p:spPr>
+          <p:style>
+            <a:lnRef idx="2">
+              <a:schemeClr val="accent1">
+                <a:shade val="50000"/>
+              </a:schemeClr>
+            </a:lnRef>
+            <a:fillRef idx="1">
+              <a:schemeClr val="accent1"/>
+            </a:fillRef>
+            <a:effectRef idx="0">
+              <a:schemeClr val="accent1"/>
+            </a:effectRef>
+            <a:fontRef idx="minor">
+              <a:schemeClr val="lt1"/>
+            </a:fontRef>
+          </p:style>
+          <p:txBody>
+            <a:bodyPr rtlCol="0" anchor="ctr"/>
+            <a:lstStyle/>
+            <a:p>
+              <a:pPr algn="ctr"/>
+              <a:endParaRPr lang="ko-KR" altLang="en-US" sz="2800">
                 <a:solidFill>
                   <a:schemeClr val="tx1"/>
                 </a:solidFill>
                 <a:latin typeface="나눔스퀘어_ac ExtraBold" panose="020B0600000101010101" pitchFamily="50" charset="-127"/>
                 <a:ea typeface="나눔스퀘어_ac ExtraBold" panose="020B0600000101010101" pitchFamily="50" charset="-127"/>
-              </a:rPr>
-              <a:t>Screen</a:t>
-            </a:r>
-            <a:endParaRPr lang="ko-KR" altLang="en-US" sz="2800">
+              </a:endParaRPr>
+            </a:p>
+          </p:txBody>
+        </p:sp>
+        <p:sp>
+          <p:nvSpPr>
+            <p:cNvPr id="7" name="직사각형 6">
+              <a:extLst>
+                <a:ext uri="{FF2B5EF4-FFF2-40B4-BE49-F238E27FC236}">
+                  <a16:creationId xmlns:a16="http://schemas.microsoft.com/office/drawing/2014/main" id="{D4016413-9CD8-4B8E-8B9C-DC1E18648C19}"/>
+                </a:ext>
+              </a:extLst>
+            </p:cNvPr>
+            <p:cNvSpPr/>
+            <p:nvPr/>
+          </p:nvSpPr>
+          <p:spPr>
+            <a:xfrm>
+              <a:off x="4297773" y="4483051"/>
+              <a:ext cx="2561191" cy="3586656"/>
+            </a:xfrm>
+            <a:prstGeom prst="rect">
+              <a:avLst/>
+            </a:prstGeom>
+            <a:solidFill>
+              <a:srgbClr val="FFFFEB"/>
+            </a:solidFill>
+            <a:ln>
+              <a:solidFill>
+                <a:schemeClr val="tx1">
+                  <a:lumMod val="95000"/>
+                  <a:lumOff val="5000"/>
+                </a:schemeClr>
+              </a:solidFill>
+            </a:ln>
+          </p:spPr>
+          <p:style>
+            <a:lnRef idx="2">
+              <a:schemeClr val="accent1">
+                <a:shade val="50000"/>
+              </a:schemeClr>
+            </a:lnRef>
+            <a:fillRef idx="1">
+              <a:schemeClr val="accent1"/>
+            </a:fillRef>
+            <a:effectRef idx="0">
+              <a:schemeClr val="accent1"/>
+            </a:effectRef>
+            <a:fontRef idx="minor">
+              <a:schemeClr val="lt1"/>
+            </a:fontRef>
+          </p:style>
+          <p:txBody>
+            <a:bodyPr rtlCol="0" anchor="ctr"/>
+            <a:lstStyle/>
+            <a:p>
+              <a:pPr algn="ctr"/>
+              <a:endParaRPr lang="ko-KR" altLang="en-US" sz="2800">
+                <a:solidFill>
+                  <a:schemeClr val="tx1"/>
+                </a:solidFill>
+                <a:latin typeface="나눔스퀘어_ac ExtraBold" panose="020B0600000101010101" pitchFamily="50" charset="-127"/>
+                <a:ea typeface="나눔스퀘어_ac ExtraBold" panose="020B0600000101010101" pitchFamily="50" charset="-127"/>
+              </a:endParaRPr>
+            </a:p>
+          </p:txBody>
+        </p:sp>
+        <p:sp>
+          <p:nvSpPr>
+            <p:cNvPr id="40" name="직사각형 39">
+              <a:extLst>
+                <a:ext uri="{FF2B5EF4-FFF2-40B4-BE49-F238E27FC236}">
+                  <a16:creationId xmlns:a16="http://schemas.microsoft.com/office/drawing/2014/main" id="{CE2948C0-66F1-4022-9198-18B4842942F9}"/>
+                </a:ext>
+              </a:extLst>
+            </p:cNvPr>
+            <p:cNvSpPr/>
+            <p:nvPr/>
+          </p:nvSpPr>
+          <p:spPr>
+            <a:xfrm>
+              <a:off x="8577619" y="3139496"/>
+              <a:ext cx="3550035" cy="5278577"/>
+            </a:xfrm>
+            <a:prstGeom prst="rect">
+              <a:avLst/>
+            </a:prstGeom>
+            <a:solidFill>
+              <a:srgbClr val="EBF6F9"/>
+            </a:solidFill>
+            <a:ln>
+              <a:solidFill>
+                <a:schemeClr val="tx1">
+                  <a:lumMod val="95000"/>
+                  <a:lumOff val="5000"/>
+                </a:schemeClr>
+              </a:solidFill>
+            </a:ln>
+          </p:spPr>
+          <p:style>
+            <a:lnRef idx="2">
+              <a:schemeClr val="accent1">
+                <a:shade val="50000"/>
+              </a:schemeClr>
+            </a:lnRef>
+            <a:fillRef idx="1">
+              <a:schemeClr val="accent1"/>
+            </a:fillRef>
+            <a:effectRef idx="0">
+              <a:schemeClr val="accent1"/>
+            </a:effectRef>
+            <a:fontRef idx="minor">
+              <a:schemeClr val="lt1"/>
+            </a:fontRef>
+          </p:style>
+          <p:txBody>
+            <a:bodyPr rtlCol="0" anchor="ctr"/>
+            <a:lstStyle/>
+            <a:p>
+              <a:pPr algn="ctr"/>
+              <a:endParaRPr lang="ko-KR" altLang="en-US" sz="2800">
+                <a:solidFill>
+                  <a:schemeClr val="tx1"/>
+                </a:solidFill>
+                <a:latin typeface="나눔스퀘어_ac ExtraBold" panose="020B0600000101010101" pitchFamily="50" charset="-127"/>
+                <a:ea typeface="나눔스퀘어_ac ExtraBold" panose="020B0600000101010101" pitchFamily="50" charset="-127"/>
+              </a:endParaRPr>
+            </a:p>
+          </p:txBody>
+        </p:sp>
+        <p:pic>
+          <p:nvPicPr>
+            <p:cNvPr id="17" name="그림 16">
+              <a:extLst>
+                <a:ext uri="{FF2B5EF4-FFF2-40B4-BE49-F238E27FC236}">
+                  <a16:creationId xmlns:a16="http://schemas.microsoft.com/office/drawing/2014/main" id="{88D89CB4-8494-40F2-A8AD-F2A1FD26176B}"/>
+                </a:ext>
+              </a:extLst>
+            </p:cNvPr>
+            <p:cNvPicPr>
+              <a:picLocks noChangeAspect="1"/>
+            </p:cNvPicPr>
+            <p:nvPr/>
+          </p:nvPicPr>
+          <p:blipFill>
+            <a:blip r:embed="rId3">
+              <a:extLst>
+                <a:ext uri="{28A0092B-C50C-407E-A947-70E740481C1C}">
+                  <a14:useLocalDpi xmlns:a14="http://schemas.microsoft.com/office/drawing/2010/main" val="0"/>
+                </a:ext>
+              </a:extLst>
+            </a:blip>
+            <a:stretch>
+              <a:fillRect/>
+            </a:stretch>
+          </p:blipFill>
+          <p:spPr>
+            <a:xfrm>
+              <a:off x="13867089" y="4729206"/>
+              <a:ext cx="2807320" cy="2807320"/>
+            </a:xfrm>
+            <a:prstGeom prst="rect">
+              <a:avLst/>
+            </a:prstGeom>
+          </p:spPr>
+        </p:pic>
+        <p:pic>
+          <p:nvPicPr>
+            <p:cNvPr id="20" name="그림 19">
+              <a:extLst>
+                <a:ext uri="{FF2B5EF4-FFF2-40B4-BE49-F238E27FC236}">
+                  <a16:creationId xmlns:a16="http://schemas.microsoft.com/office/drawing/2014/main" id="{F9203BA7-8F3C-4181-B6B8-5BEBEDFE73CB}"/>
+                </a:ext>
+              </a:extLst>
+            </p:cNvPr>
+            <p:cNvPicPr>
+              <a:picLocks noChangeAspect="1"/>
+            </p:cNvPicPr>
+            <p:nvPr/>
+          </p:nvPicPr>
+          <p:blipFill>
+            <a:blip r:embed="rId4" cstate="print">
+              <a:extLst>
+                <a:ext uri="{28A0092B-C50C-407E-A947-70E740481C1C}">
+                  <a14:useLocalDpi xmlns:a14="http://schemas.microsoft.com/office/drawing/2010/main" val="0"/>
+                </a:ext>
+              </a:extLst>
+            </a:blip>
+            <a:stretch>
+              <a:fillRect/>
+            </a:stretch>
+          </p:blipFill>
+          <p:spPr>
+            <a:xfrm>
+              <a:off x="14045551" y="3281906"/>
+              <a:ext cx="2450395" cy="1263995"/>
+            </a:xfrm>
+            <a:prstGeom prst="rect">
+              <a:avLst/>
+            </a:prstGeom>
+          </p:spPr>
+        </p:pic>
+        <p:cxnSp>
+          <p:nvCxnSpPr>
+            <p:cNvPr id="27" name="직선 화살표 연결선 26">
+              <a:extLst>
+                <a:ext uri="{FF2B5EF4-FFF2-40B4-BE49-F238E27FC236}">
+                  <a16:creationId xmlns:a16="http://schemas.microsoft.com/office/drawing/2014/main" id="{5F239B3C-A82A-489C-899D-00DE22BBD30C}"/>
+                </a:ext>
+              </a:extLst>
+            </p:cNvPr>
+            <p:cNvCxnSpPr>
+              <a:cxnSpLocks/>
+            </p:cNvCxnSpPr>
+            <p:nvPr/>
+          </p:nvCxnSpPr>
+          <p:spPr>
+            <a:xfrm>
+              <a:off x="12127654" y="6132866"/>
+              <a:ext cx="1739435" cy="1"/>
+            </a:xfrm>
+            <a:prstGeom prst="straightConnector1">
+              <a:avLst/>
+            </a:prstGeom>
+            <a:ln w="38100">
+              <a:headEnd type="triangle"/>
+              <a:tailEnd type="triangle"/>
+            </a:ln>
+          </p:spPr>
+          <p:style>
+            <a:lnRef idx="1">
+              <a:schemeClr val="dk1"/>
+            </a:lnRef>
+            <a:fillRef idx="0">
+              <a:schemeClr val="dk1"/>
+            </a:fillRef>
+            <a:effectRef idx="0">
+              <a:schemeClr val="dk1"/>
+            </a:effectRef>
+            <a:fontRef idx="minor">
+              <a:schemeClr val="tx1"/>
+            </a:fontRef>
+          </p:style>
+        </p:cxnSp>
+        <p:pic>
+          <p:nvPicPr>
+            <p:cNvPr id="33" name="그림 32">
+              <a:extLst>
+                <a:ext uri="{FF2B5EF4-FFF2-40B4-BE49-F238E27FC236}">
+                  <a16:creationId xmlns:a16="http://schemas.microsoft.com/office/drawing/2014/main" id="{60371B25-97FD-48BD-B8D3-D6E522ECD26F}"/>
+                </a:ext>
+              </a:extLst>
+            </p:cNvPr>
+            <p:cNvPicPr>
+              <a:picLocks noChangeAspect="1"/>
+            </p:cNvPicPr>
+            <p:nvPr/>
+          </p:nvPicPr>
+          <p:blipFill>
+            <a:blip r:embed="rId5" cstate="print">
+              <a:extLst>
+                <a:ext uri="{28A0092B-C50C-407E-A947-70E740481C1C}">
+                  <a14:useLocalDpi xmlns:a14="http://schemas.microsoft.com/office/drawing/2010/main" val="0"/>
+                </a:ext>
+              </a:extLst>
+            </a:blip>
+            <a:stretch>
+              <a:fillRect/>
+            </a:stretch>
+          </p:blipFill>
+          <p:spPr>
+            <a:xfrm>
+              <a:off x="9747538" y="6732361"/>
+              <a:ext cx="1400970" cy="1395497"/>
+            </a:xfrm>
+            <a:prstGeom prst="rect">
+              <a:avLst/>
+            </a:prstGeom>
+          </p:spPr>
+        </p:pic>
+        <p:pic>
+          <p:nvPicPr>
+            <p:cNvPr id="44" name="그림 43">
+              <a:extLst>
+                <a:ext uri="{FF2B5EF4-FFF2-40B4-BE49-F238E27FC236}">
+                  <a16:creationId xmlns:a16="http://schemas.microsoft.com/office/drawing/2014/main" id="{99D256B1-14B9-40EF-8CB0-A86F868D79A5}"/>
+                </a:ext>
+              </a:extLst>
+            </p:cNvPr>
+            <p:cNvPicPr>
+              <a:picLocks noChangeAspect="1"/>
+            </p:cNvPicPr>
+            <p:nvPr/>
+          </p:nvPicPr>
+          <p:blipFill rotWithShape="1">
+            <a:blip r:embed="rId6">
+              <a:extLst>
+                <a:ext uri="{28A0092B-C50C-407E-A947-70E740481C1C}">
+                  <a14:useLocalDpi xmlns:a14="http://schemas.microsoft.com/office/drawing/2010/main" val="0"/>
+                </a:ext>
+              </a:extLst>
+            </a:blip>
+            <a:srcRect l="31001" t="781" r="32260" b="6734"/>
+            <a:stretch/>
+          </p:blipFill>
+          <p:spPr>
+            <a:xfrm>
+              <a:off x="12531836" y="1896064"/>
+              <a:ext cx="1322683" cy="2143535"/>
+            </a:xfrm>
+            <a:prstGeom prst="rect">
+              <a:avLst/>
+            </a:prstGeom>
+          </p:spPr>
+        </p:pic>
+        <p:pic>
+          <p:nvPicPr>
+            <p:cNvPr id="47" name="그림 46">
+              <a:extLst>
+                <a:ext uri="{FF2B5EF4-FFF2-40B4-BE49-F238E27FC236}">
+                  <a16:creationId xmlns:a16="http://schemas.microsoft.com/office/drawing/2014/main" id="{7AE1A641-D81B-4D9B-98E7-114F7222CDAC}"/>
+                </a:ext>
+              </a:extLst>
+            </p:cNvPr>
+            <p:cNvPicPr>
+              <a:picLocks noChangeAspect="1"/>
+            </p:cNvPicPr>
+            <p:nvPr/>
+          </p:nvPicPr>
+          <p:blipFill>
+            <a:blip r:embed="rId7">
+              <a:extLst>
+                <a:ext uri="{28A0092B-C50C-407E-A947-70E740481C1C}">
+                  <a14:useLocalDpi xmlns:a14="http://schemas.microsoft.com/office/drawing/2010/main" val="0"/>
+                </a:ext>
+              </a:extLst>
+            </a:blip>
+            <a:stretch>
+              <a:fillRect/>
+            </a:stretch>
+          </p:blipFill>
+          <p:spPr>
+            <a:xfrm>
+              <a:off x="9221032" y="5749668"/>
+              <a:ext cx="2554263" cy="774518"/>
+            </a:xfrm>
+            <a:prstGeom prst="rect">
+              <a:avLst/>
+            </a:prstGeom>
+          </p:spPr>
+        </p:pic>
+        <p:pic>
+          <p:nvPicPr>
+            <p:cNvPr id="49" name="그림 48">
+              <a:extLst>
+                <a:ext uri="{FF2B5EF4-FFF2-40B4-BE49-F238E27FC236}">
+                  <a16:creationId xmlns:a16="http://schemas.microsoft.com/office/drawing/2014/main" id="{52C83B14-6FBC-47B8-8971-485771A5992A}"/>
+                </a:ext>
+              </a:extLst>
+            </p:cNvPr>
+            <p:cNvPicPr>
+              <a:picLocks noChangeAspect="1"/>
+            </p:cNvPicPr>
+            <p:nvPr/>
+          </p:nvPicPr>
+          <p:blipFill>
+            <a:blip r:embed="rId8" cstate="print">
+              <a:extLst>
+                <a:ext uri="{28A0092B-C50C-407E-A947-70E740481C1C}">
+                  <a14:useLocalDpi xmlns:a14="http://schemas.microsoft.com/office/drawing/2010/main" val="0"/>
+                </a:ext>
+              </a:extLst>
+            </a:blip>
+            <a:stretch>
+              <a:fillRect/>
+            </a:stretch>
+          </p:blipFill>
+          <p:spPr>
+            <a:xfrm>
+              <a:off x="9491571" y="4497156"/>
+              <a:ext cx="1786028" cy="1092547"/>
+            </a:xfrm>
+            <a:prstGeom prst="rect">
+              <a:avLst/>
+            </a:prstGeom>
+          </p:spPr>
+        </p:pic>
+        <p:pic>
+          <p:nvPicPr>
+            <p:cNvPr id="51" name="그림 50">
+              <a:extLst>
+                <a:ext uri="{FF2B5EF4-FFF2-40B4-BE49-F238E27FC236}">
+                  <a16:creationId xmlns:a16="http://schemas.microsoft.com/office/drawing/2014/main" id="{CC022B3B-4E7E-441A-94F8-22CF7E838999}"/>
+                </a:ext>
+              </a:extLst>
+            </p:cNvPr>
+            <p:cNvPicPr>
+              <a:picLocks noChangeAspect="1"/>
+            </p:cNvPicPr>
+            <p:nvPr/>
+          </p:nvPicPr>
+          <p:blipFill>
+            <a:blip r:embed="rId9">
+              <a:extLst>
+                <a:ext uri="{28A0092B-C50C-407E-A947-70E740481C1C}">
+                  <a14:useLocalDpi xmlns:a14="http://schemas.microsoft.com/office/drawing/2010/main" val="0"/>
+                </a:ext>
+              </a:extLst>
+            </a:blip>
+            <a:stretch>
+              <a:fillRect/>
+            </a:stretch>
+          </p:blipFill>
+          <p:spPr>
+            <a:xfrm>
+              <a:off x="1362832" y="4920972"/>
+              <a:ext cx="2693472" cy="2693472"/>
+            </a:xfrm>
+            <a:prstGeom prst="rect">
+              <a:avLst/>
+            </a:prstGeom>
+          </p:spPr>
+        </p:pic>
+        <p:sp>
+          <p:nvSpPr>
+            <p:cNvPr id="54" name="TextBox 53">
+              <a:extLst>
+                <a:ext uri="{FF2B5EF4-FFF2-40B4-BE49-F238E27FC236}">
+                  <a16:creationId xmlns:a16="http://schemas.microsoft.com/office/drawing/2014/main" id="{A7C3BA3C-3DCF-482C-BAD5-0134A3092687}"/>
+                </a:ext>
+              </a:extLst>
+            </p:cNvPr>
+            <p:cNvSpPr txBox="1"/>
+            <p:nvPr/>
+          </p:nvSpPr>
+          <p:spPr>
+            <a:xfrm>
+              <a:off x="4301264" y="8194059"/>
+              <a:ext cx="2557700" cy="707886"/>
+            </a:xfrm>
+            <a:prstGeom prst="rect">
+              <a:avLst/>
+            </a:prstGeom>
+            <a:noFill/>
+          </p:spPr>
+          <p:txBody>
+            <a:bodyPr wrap="square" rtlCol="0">
+              <a:spAutoFit/>
+            </a:bodyPr>
+            <a:lstStyle/>
+            <a:p>
+              <a:r>
+                <a:rPr lang="en-US" altLang="ko-KR" sz="4000" b="1">
+                  <a:latin typeface="나눔스퀘어 Bold"/>
+                </a:rPr>
+                <a:t>Front End</a:t>
+              </a:r>
+              <a:endParaRPr lang="ko-KR" altLang="en-US" sz="4000" b="1">
+                <a:latin typeface="나눔스퀘어 Bold"/>
+              </a:endParaRPr>
+            </a:p>
+          </p:txBody>
+        </p:sp>
+        <p:sp>
+          <p:nvSpPr>
+            <p:cNvPr id="66" name="TextBox 65">
+              <a:extLst>
+                <a:ext uri="{FF2B5EF4-FFF2-40B4-BE49-F238E27FC236}">
+                  <a16:creationId xmlns:a16="http://schemas.microsoft.com/office/drawing/2014/main" id="{43A9034C-C055-41B5-8261-2991C3683370}"/>
+                </a:ext>
+              </a:extLst>
+            </p:cNvPr>
+            <p:cNvSpPr txBox="1"/>
+            <p:nvPr/>
+          </p:nvSpPr>
+          <p:spPr>
+            <a:xfrm>
+              <a:off x="9183116" y="8888329"/>
+              <a:ext cx="2529814" cy="707886"/>
+            </a:xfrm>
+            <a:prstGeom prst="rect">
+              <a:avLst/>
+            </a:prstGeom>
+            <a:noFill/>
+          </p:spPr>
+          <p:txBody>
+            <a:bodyPr wrap="square" rtlCol="0">
+              <a:spAutoFit/>
+            </a:bodyPr>
+            <a:lstStyle/>
+            <a:p>
+              <a:r>
+                <a:rPr lang="en-US" altLang="ko-KR" sz="4000" b="1">
+                  <a:latin typeface="나눔스퀘어 Bold"/>
+                </a:rPr>
+                <a:t>Back End</a:t>
+              </a:r>
+              <a:endParaRPr lang="ko-KR" altLang="en-US" sz="4000" b="1">
+                <a:latin typeface="나눔스퀘어 Bold"/>
+              </a:endParaRPr>
+            </a:p>
+          </p:txBody>
+        </p:sp>
+        <p:sp>
+          <p:nvSpPr>
+            <p:cNvPr id="67" name="TextBox 66">
+              <a:extLst>
+                <a:ext uri="{FF2B5EF4-FFF2-40B4-BE49-F238E27FC236}">
+                  <a16:creationId xmlns:a16="http://schemas.microsoft.com/office/drawing/2014/main" id="{7ED5F681-9153-411A-A65A-CAA7B0BAA501}"/>
+                </a:ext>
+              </a:extLst>
+            </p:cNvPr>
+            <p:cNvSpPr txBox="1"/>
+            <p:nvPr/>
+          </p:nvSpPr>
+          <p:spPr>
+            <a:xfrm>
+              <a:off x="14052914" y="7614444"/>
+              <a:ext cx="2557700" cy="707886"/>
+            </a:xfrm>
+            <a:prstGeom prst="rect">
+              <a:avLst/>
+            </a:prstGeom>
+            <a:noFill/>
+          </p:spPr>
+          <p:txBody>
+            <a:bodyPr wrap="square" rtlCol="0">
+              <a:spAutoFit/>
+            </a:bodyPr>
+            <a:lstStyle/>
+            <a:p>
+              <a:r>
+                <a:rPr lang="en-US" altLang="ko-KR" sz="4000" b="1" err="1">
+                  <a:latin typeface="나눔스퀘어 Bold"/>
+                </a:rPr>
+                <a:t>DataBase</a:t>
+              </a:r>
+              <a:endParaRPr lang="ko-KR" altLang="en-US" sz="4000" b="1">
+                <a:latin typeface="나눔스퀘어 Bold"/>
+              </a:endParaRPr>
+            </a:p>
+          </p:txBody>
+        </p:sp>
+        <p:cxnSp>
+          <p:nvCxnSpPr>
+            <p:cNvPr id="963" name="직선 화살표 연결선 962">
+              <a:extLst>
+                <a:ext uri="{FF2B5EF4-FFF2-40B4-BE49-F238E27FC236}">
+                  <a16:creationId xmlns:a16="http://schemas.microsoft.com/office/drawing/2014/main" id="{AEDD78ED-D233-4CBC-AA79-3215794C3F9A}"/>
+                </a:ext>
+              </a:extLst>
+            </p:cNvPr>
+            <p:cNvCxnSpPr/>
+            <p:nvPr/>
+          </p:nvCxnSpPr>
+          <p:spPr>
+            <a:xfrm>
+              <a:off x="5650939" y="5918279"/>
+              <a:ext cx="0" cy="677731"/>
+            </a:xfrm>
+            <a:prstGeom prst="straightConnector1">
+              <a:avLst/>
+            </a:prstGeom>
+            <a:ln w="38100">
+              <a:headEnd type="triangle"/>
+              <a:tailEnd type="triangle"/>
+            </a:ln>
+          </p:spPr>
+          <p:style>
+            <a:lnRef idx="1">
+              <a:schemeClr val="dk1"/>
+            </a:lnRef>
+            <a:fillRef idx="0">
+              <a:schemeClr val="dk1"/>
+            </a:fillRef>
+            <a:effectRef idx="0">
+              <a:schemeClr val="dk1"/>
+            </a:effectRef>
+            <a:fontRef idx="minor">
+              <a:schemeClr val="tx1"/>
+            </a:fontRef>
+          </p:style>
+        </p:cxnSp>
+        <p:cxnSp>
+          <p:nvCxnSpPr>
+            <p:cNvPr id="90" name="직선 화살표 연결선 89">
+              <a:extLst>
+                <a:ext uri="{FF2B5EF4-FFF2-40B4-BE49-F238E27FC236}">
+                  <a16:creationId xmlns:a16="http://schemas.microsoft.com/office/drawing/2014/main" id="{060554A1-5613-488E-87B0-83EE01015553}"/>
+                </a:ext>
+              </a:extLst>
+            </p:cNvPr>
+            <p:cNvCxnSpPr>
+              <a:cxnSpLocks/>
+            </p:cNvCxnSpPr>
+            <p:nvPr/>
+          </p:nvCxnSpPr>
+          <p:spPr>
+            <a:xfrm flipV="1">
+              <a:off x="6842968" y="6118924"/>
+              <a:ext cx="1378807" cy="13942"/>
+            </a:xfrm>
+            <a:prstGeom prst="straightConnector1">
+              <a:avLst/>
+            </a:prstGeom>
+            <a:ln w="38100">
+              <a:headEnd type="triangle"/>
+              <a:tailEnd type="triangle"/>
+            </a:ln>
+          </p:spPr>
+          <p:style>
+            <a:lnRef idx="1">
+              <a:schemeClr val="dk1"/>
+            </a:lnRef>
+            <a:fillRef idx="0">
+              <a:schemeClr val="dk1"/>
+            </a:fillRef>
+            <a:effectRef idx="0">
+              <a:schemeClr val="dk1"/>
+            </a:effectRef>
+            <a:fontRef idx="minor">
+              <a:schemeClr val="tx1"/>
+            </a:fontRef>
+          </p:style>
+        </p:cxnSp>
+        <p:sp>
+          <p:nvSpPr>
+            <p:cNvPr id="974" name="사각형: 둥근 모서리 973">
+              <a:extLst>
+                <a:ext uri="{FF2B5EF4-FFF2-40B4-BE49-F238E27FC236}">
+                  <a16:creationId xmlns:a16="http://schemas.microsoft.com/office/drawing/2014/main" id="{54053ED3-7C57-486C-90F8-F348AFFD21AA}"/>
+                </a:ext>
+              </a:extLst>
+            </p:cNvPr>
+            <p:cNvSpPr/>
+            <p:nvPr/>
+          </p:nvSpPr>
+          <p:spPr>
+            <a:xfrm>
+              <a:off x="4751601" y="5022193"/>
+              <a:ext cx="1704104" cy="864544"/>
+            </a:xfrm>
+            <a:prstGeom prst="roundRect">
+              <a:avLst/>
+            </a:prstGeom>
+            <a:solidFill>
+              <a:srgbClr val="EBF6F9"/>
+            </a:solidFill>
+            <a:ln>
               <a:solidFill>
                 <a:schemeClr val="tx1"/>
               </a:solidFill>
-              <a:latin typeface="나눔스퀘어_ac ExtraBold" panose="020B0600000101010101" pitchFamily="50" charset="-127"/>
-              <a:ea typeface="나눔스퀘어_ac ExtraBold" panose="020B0600000101010101" pitchFamily="50" charset="-127"/>
-            </a:endParaRPr>
-          </a:p>
-        </p:txBody>
-      </p:sp>
-      <p:pic>
-        <p:nvPicPr>
-          <p:cNvPr id="978" name="그림 977" descr="텍스트, 무기, 벡터그래픽이(가) 표시된 사진&#10;&#10;자동 생성된 설명">
-            <a:extLst>
-              <a:ext uri="{FF2B5EF4-FFF2-40B4-BE49-F238E27FC236}">
-                <a16:creationId xmlns:a16="http://schemas.microsoft.com/office/drawing/2014/main" id="{70D65D5A-6CC4-4B75-A0FE-211923F7F33E}"/>
-              </a:ext>
-            </a:extLst>
-          </p:cNvPr>
-          <p:cNvPicPr>
-            <a:picLocks noChangeAspect="1"/>
-          </p:cNvPicPr>
-          <p:nvPr/>
-        </p:nvPicPr>
-        <p:blipFill rotWithShape="1">
-          <a:blip r:embed="rId10" cstate="print">
-            <a:duotone>
-              <a:prstClr val="black"/>
-              <a:schemeClr val="tx2">
-                <a:tint val="45000"/>
-                <a:satMod val="400000"/>
+            </a:ln>
+          </p:spPr>
+          <p:style>
+            <a:lnRef idx="2">
+              <a:schemeClr val="accent1">
+                <a:shade val="50000"/>
               </a:schemeClr>
-            </a:duotone>
-            <a:extLst>
-              <a:ext uri="{28A0092B-C50C-407E-A947-70E740481C1C}">
-                <a14:useLocalDpi xmlns:a14="http://schemas.microsoft.com/office/drawing/2010/main" val="0"/>
-              </a:ext>
-            </a:extLst>
-          </a:blip>
-          <a:srcRect t="74619"/>
-          <a:stretch/>
-        </p:blipFill>
-        <p:spPr>
-          <a:xfrm>
-            <a:off x="4649207" y="3902812"/>
-            <a:ext cx="2032824" cy="390458"/>
-          </a:xfrm>
-          <a:prstGeom prst="rect">
-            <a:avLst/>
-          </a:prstGeom>
-        </p:spPr>
-      </p:pic>
-      <p:pic>
-        <p:nvPicPr>
-          <p:cNvPr id="98" name="그림 97" descr="텍스트, 무기, 벡터그래픽이(가) 표시된 사진&#10;&#10;자동 생성된 설명">
-            <a:extLst>
-              <a:ext uri="{FF2B5EF4-FFF2-40B4-BE49-F238E27FC236}">
-                <a16:creationId xmlns:a16="http://schemas.microsoft.com/office/drawing/2014/main" id="{2A2E252B-604B-4B21-805E-52AB4345767B}"/>
-              </a:ext>
-            </a:extLst>
-          </p:cNvPr>
-          <p:cNvPicPr>
-            <a:picLocks noChangeAspect="1"/>
-          </p:cNvPicPr>
-          <p:nvPr/>
-        </p:nvPicPr>
-        <p:blipFill rotWithShape="1">
-          <a:blip r:embed="rId10" cstate="print">
-            <a:duotone>
-              <a:prstClr val="black"/>
-              <a:schemeClr val="tx2">
-                <a:tint val="45000"/>
-                <a:satMod val="400000"/>
+            </a:lnRef>
+            <a:fillRef idx="1">
+              <a:schemeClr val="accent1"/>
+            </a:fillRef>
+            <a:effectRef idx="0">
+              <a:schemeClr val="accent1"/>
+            </a:effectRef>
+            <a:fontRef idx="minor">
+              <a:schemeClr val="lt1"/>
+            </a:fontRef>
+          </p:style>
+          <p:txBody>
+            <a:bodyPr rtlCol="0" anchor="ctr"/>
+            <a:lstStyle/>
+            <a:p>
+              <a:pPr algn="ctr"/>
+              <a:r>
+                <a:rPr lang="en-US" altLang="ko-KR" sz="2800">
+                  <a:solidFill>
+                    <a:schemeClr val="tx1"/>
+                  </a:solidFill>
+                  <a:latin typeface="나눔스퀘어_ac ExtraBold" panose="020B0600000101010101" pitchFamily="50" charset="-127"/>
+                  <a:ea typeface="나눔스퀘어_ac ExtraBold" panose="020B0600000101010101" pitchFamily="50" charset="-127"/>
+                </a:rPr>
+                <a:t>Router</a:t>
+              </a:r>
+              <a:endParaRPr lang="ko-KR" altLang="en-US" sz="2800">
+                <a:solidFill>
+                  <a:schemeClr val="tx1"/>
+                </a:solidFill>
+                <a:latin typeface="나눔스퀘어_ac ExtraBold" panose="020B0600000101010101" pitchFamily="50" charset="-127"/>
+                <a:ea typeface="나눔스퀘어_ac ExtraBold" panose="020B0600000101010101" pitchFamily="50" charset="-127"/>
+              </a:endParaRPr>
+            </a:p>
+          </p:txBody>
+        </p:sp>
+        <p:sp>
+          <p:nvSpPr>
+            <p:cNvPr id="93" name="사각형: 둥근 모서리 92">
+              <a:extLst>
+                <a:ext uri="{FF2B5EF4-FFF2-40B4-BE49-F238E27FC236}">
+                  <a16:creationId xmlns:a16="http://schemas.microsoft.com/office/drawing/2014/main" id="{471EBD24-D5BC-4E49-92E4-4174D0ABE20E}"/>
+                </a:ext>
+              </a:extLst>
+            </p:cNvPr>
+            <p:cNvSpPr/>
+            <p:nvPr/>
+          </p:nvSpPr>
+          <p:spPr>
+            <a:xfrm>
+              <a:off x="4775624" y="6624924"/>
+              <a:ext cx="1704104" cy="864544"/>
+            </a:xfrm>
+            <a:prstGeom prst="roundRect">
+              <a:avLst/>
+            </a:prstGeom>
+            <a:solidFill>
+              <a:srgbClr val="EBF6F9"/>
+            </a:solidFill>
+            <a:ln>
+              <a:solidFill>
+                <a:schemeClr val="tx1"/>
+              </a:solidFill>
+            </a:ln>
+          </p:spPr>
+          <p:style>
+            <a:lnRef idx="2">
+              <a:schemeClr val="accent1">
+                <a:shade val="50000"/>
               </a:schemeClr>
-            </a:duotone>
-            <a:extLst>
-              <a:ext uri="{28A0092B-C50C-407E-A947-70E740481C1C}">
-                <a14:useLocalDpi xmlns:a14="http://schemas.microsoft.com/office/drawing/2010/main" val="0"/>
-              </a:ext>
-            </a:extLst>
-          </a:blip>
-          <a:srcRect b="32390"/>
-          <a:stretch/>
-        </p:blipFill>
-        <p:spPr>
-          <a:xfrm>
-            <a:off x="4624295" y="3002359"/>
-            <a:ext cx="2032824" cy="1040066"/>
-          </a:xfrm>
-          <a:prstGeom prst="rect">
-            <a:avLst/>
-          </a:prstGeom>
-        </p:spPr>
-      </p:pic>
-      <p:pic>
-        <p:nvPicPr>
-          <p:cNvPr id="3" name="그림 3" descr="텍스트이(가) 표시된 사진&#10;&#10;자동 생성된 설명">
-            <a:extLst>
-              <a:ext uri="{FF2B5EF4-FFF2-40B4-BE49-F238E27FC236}">
-                <a16:creationId xmlns:a16="http://schemas.microsoft.com/office/drawing/2014/main" id="{0B6F7DD1-C70F-45B6-964F-95D84FC78D1D}"/>
-              </a:ext>
-            </a:extLst>
-          </p:cNvPr>
-          <p:cNvPicPr>
-            <a:picLocks noChangeAspect="1"/>
-          </p:cNvPicPr>
-          <p:nvPr/>
-        </p:nvPicPr>
-        <p:blipFill>
-          <a:blip r:embed="rId11"/>
-          <a:stretch>
-            <a:fillRect/>
-          </a:stretch>
-        </p:blipFill>
-        <p:spPr>
-          <a:xfrm>
-            <a:off x="8711852" y="3050464"/>
-            <a:ext cx="3322528" cy="1727840"/>
-          </a:xfrm>
-          <a:prstGeom prst="rect">
-            <a:avLst/>
-          </a:prstGeom>
-        </p:spPr>
-      </p:pic>
+            </a:lnRef>
+            <a:fillRef idx="1">
+              <a:schemeClr val="accent1"/>
+            </a:fillRef>
+            <a:effectRef idx="0">
+              <a:schemeClr val="accent1"/>
+            </a:effectRef>
+            <a:fontRef idx="minor">
+              <a:schemeClr val="lt1"/>
+            </a:fontRef>
+          </p:style>
+          <p:txBody>
+            <a:bodyPr rtlCol="0" anchor="ctr"/>
+            <a:lstStyle/>
+            <a:p>
+              <a:pPr algn="ctr"/>
+              <a:r>
+                <a:rPr lang="en-US" altLang="ko-KR" sz="2800">
+                  <a:solidFill>
+                    <a:schemeClr val="tx1"/>
+                  </a:solidFill>
+                  <a:latin typeface="나눔스퀘어_ac ExtraBold" panose="020B0600000101010101" pitchFamily="50" charset="-127"/>
+                  <a:ea typeface="나눔스퀘어_ac ExtraBold" panose="020B0600000101010101" pitchFamily="50" charset="-127"/>
+                </a:rPr>
+                <a:t>Screen</a:t>
+              </a:r>
+              <a:endParaRPr lang="ko-KR" altLang="en-US" sz="2800">
+                <a:solidFill>
+                  <a:schemeClr val="tx1"/>
+                </a:solidFill>
+                <a:latin typeface="나눔스퀘어_ac ExtraBold" panose="020B0600000101010101" pitchFamily="50" charset="-127"/>
+                <a:ea typeface="나눔스퀘어_ac ExtraBold" panose="020B0600000101010101" pitchFamily="50" charset="-127"/>
+              </a:endParaRPr>
+            </a:p>
+          </p:txBody>
+        </p:sp>
+        <p:pic>
+          <p:nvPicPr>
+            <p:cNvPr id="978" name="그림 977" descr="텍스트, 무기, 벡터그래픽이(가) 표시된 사진&#10;&#10;자동 생성된 설명">
+              <a:extLst>
+                <a:ext uri="{FF2B5EF4-FFF2-40B4-BE49-F238E27FC236}">
+                  <a16:creationId xmlns:a16="http://schemas.microsoft.com/office/drawing/2014/main" id="{70D65D5A-6CC4-4B75-A0FE-211923F7F33E}"/>
+                </a:ext>
+              </a:extLst>
+            </p:cNvPr>
+            <p:cNvPicPr>
+              <a:picLocks noChangeAspect="1"/>
+            </p:cNvPicPr>
+            <p:nvPr/>
+          </p:nvPicPr>
+          <p:blipFill rotWithShape="1">
+            <a:blip r:embed="rId10" cstate="print">
+              <a:duotone>
+                <a:prstClr val="black"/>
+                <a:schemeClr val="tx2">
+                  <a:tint val="45000"/>
+                  <a:satMod val="400000"/>
+                </a:schemeClr>
+              </a:duotone>
+              <a:extLst>
+                <a:ext uri="{28A0092B-C50C-407E-A947-70E740481C1C}">
+                  <a14:useLocalDpi xmlns:a14="http://schemas.microsoft.com/office/drawing/2010/main" val="0"/>
+                </a:ext>
+              </a:extLst>
+            </a:blip>
+            <a:srcRect t="74619"/>
+            <a:stretch/>
+          </p:blipFill>
+          <p:spPr>
+            <a:xfrm>
+              <a:off x="4649207" y="3902812"/>
+              <a:ext cx="2032824" cy="390458"/>
+            </a:xfrm>
+            <a:prstGeom prst="rect">
+              <a:avLst/>
+            </a:prstGeom>
+          </p:spPr>
+        </p:pic>
+        <p:pic>
+          <p:nvPicPr>
+            <p:cNvPr id="98" name="그림 97" descr="텍스트, 무기, 벡터그래픽이(가) 표시된 사진&#10;&#10;자동 생성된 설명">
+              <a:extLst>
+                <a:ext uri="{FF2B5EF4-FFF2-40B4-BE49-F238E27FC236}">
+                  <a16:creationId xmlns:a16="http://schemas.microsoft.com/office/drawing/2014/main" id="{2A2E252B-604B-4B21-805E-52AB4345767B}"/>
+                </a:ext>
+              </a:extLst>
+            </p:cNvPr>
+            <p:cNvPicPr>
+              <a:picLocks noChangeAspect="1"/>
+            </p:cNvPicPr>
+            <p:nvPr/>
+          </p:nvPicPr>
+          <p:blipFill rotWithShape="1">
+            <a:blip r:embed="rId10" cstate="print">
+              <a:duotone>
+                <a:prstClr val="black"/>
+                <a:schemeClr val="tx2">
+                  <a:tint val="45000"/>
+                  <a:satMod val="400000"/>
+                </a:schemeClr>
+              </a:duotone>
+              <a:extLst>
+                <a:ext uri="{28A0092B-C50C-407E-A947-70E740481C1C}">
+                  <a14:useLocalDpi xmlns:a14="http://schemas.microsoft.com/office/drawing/2010/main" val="0"/>
+                </a:ext>
+              </a:extLst>
+            </a:blip>
+            <a:srcRect b="32390"/>
+            <a:stretch/>
+          </p:blipFill>
+          <p:spPr>
+            <a:xfrm>
+              <a:off x="4624295" y="3002359"/>
+              <a:ext cx="2032824" cy="1040066"/>
+            </a:xfrm>
+            <a:prstGeom prst="rect">
+              <a:avLst/>
+            </a:prstGeom>
+          </p:spPr>
+        </p:pic>
+        <p:pic>
+          <p:nvPicPr>
+            <p:cNvPr id="3" name="그림 3" descr="텍스트이(가) 표시된 사진&#10;&#10;자동 생성된 설명">
+              <a:extLst>
+                <a:ext uri="{FF2B5EF4-FFF2-40B4-BE49-F238E27FC236}">
+                  <a16:creationId xmlns:a16="http://schemas.microsoft.com/office/drawing/2014/main" id="{0B6F7DD1-C70F-45B6-964F-95D84FC78D1D}"/>
+                </a:ext>
+              </a:extLst>
+            </p:cNvPr>
+            <p:cNvPicPr>
+              <a:picLocks noChangeAspect="1"/>
+            </p:cNvPicPr>
+            <p:nvPr/>
+          </p:nvPicPr>
+          <p:blipFill>
+            <a:blip r:embed="rId11"/>
+            <a:stretch>
+              <a:fillRect/>
+            </a:stretch>
+          </p:blipFill>
+          <p:spPr>
+            <a:xfrm>
+              <a:off x="8711852" y="3050464"/>
+              <a:ext cx="3322528" cy="1727840"/>
+            </a:xfrm>
+            <a:prstGeom prst="rect">
+              <a:avLst/>
+            </a:prstGeom>
+          </p:spPr>
+        </p:pic>
+      </p:grpSp>
     </p:spTree>
     <p:extLst>
       <p:ext uri="{BB962C8B-B14F-4D97-AF65-F5344CB8AC3E}">
@@ -22032,6 +22053,15 @@
 </file>
 
 <file path=customXml/item1.xml><?xml version="1.0" encoding="utf-8"?>
+<?mso-contentType ?>
+<FormTemplates xmlns="http://schemas.microsoft.com/sharepoint/v3/contenttype/forms">
+  <Display>DocumentLibraryForm</Display>
+  <Edit>DocumentLibraryForm</Edit>
+  <New>DocumentLibraryForm</New>
+</FormTemplates>
+</file>
+
+<file path=customXml/item2.xml><?xml version="1.0" encoding="utf-8"?>
 <ct:contentTypeSchema xmlns:ct="http://schemas.microsoft.com/office/2006/metadata/contentType" xmlns:ma="http://schemas.microsoft.com/office/2006/metadata/properties/metaAttributes" ct:_="" ma:_="" ma:contentTypeName="문서" ma:contentTypeID="0x0101002D95A21B6AC17148ABADB2D9DAAD0BEA" ma:contentTypeVersion="2" ma:contentTypeDescription="새 문서를 만듭니다." ma:contentTypeScope="" ma:versionID="1b2788d752eb9220ba4b2497e8048d7b">
   <xsd:schema xmlns:xsd="http://www.w3.org/2001/XMLSchema" xmlns:xs="http://www.w3.org/2001/XMLSchema" xmlns:p="http://schemas.microsoft.com/office/2006/metadata/properties" xmlns:ns2="db1ba71c-7af1-4b32-a7fb-933a0143a84c" targetNamespace="http://schemas.microsoft.com/office/2006/metadata/properties" ma:root="true" ma:fieldsID="37df4733b9d7f20041d8313e2c254d82" ns2:_="">
     <xsd:import namespace="db1ba71c-7af1-4b32-a7fb-933a0143a84c"/>
@@ -22163,15 +22193,6 @@
 </ct:contentTypeSchema>
 </file>
 
-<file path=customXml/item2.xml><?xml version="1.0" encoding="utf-8"?>
-<?mso-contentType ?>
-<FormTemplates xmlns="http://schemas.microsoft.com/sharepoint/v3/contenttype/forms">
-  <Display>DocumentLibraryForm</Display>
-  <Edit>DocumentLibraryForm</Edit>
-  <New>DocumentLibraryForm</New>
-</FormTemplates>
-</file>
-
 <file path=customXml/item3.xml><?xml version="1.0" encoding="utf-8"?>
 <p:properties xmlns:p="http://schemas.microsoft.com/office/2006/metadata/properties" xmlns:xsi="http://www.w3.org/2001/XMLSchema-instance" xmlns:pc="http://schemas.microsoft.com/office/infopath/2007/PartnerControls">
   <documentManagement/>
@@ -22179,6 +22200,14 @@
 </file>
 
 <file path=customXml/itemProps1.xml><?xml version="1.0" encoding="utf-8"?>
+<ds:datastoreItem xmlns:ds="http://schemas.openxmlformats.org/officeDocument/2006/customXml" ds:itemID="{6A3E3E0E-7412-4FCD-AD8F-4C21E78C6DD3}">
+  <ds:schemaRefs>
+    <ds:schemaRef ds:uri="http://schemas.microsoft.com/sharepoint/v3/contenttype/forms"/>
+  </ds:schemaRefs>
+</ds:datastoreItem>
+</file>
+
+<file path=customXml/itemProps2.xml><?xml version="1.0" encoding="utf-8"?>
 <ds:datastoreItem xmlns:ds="http://schemas.openxmlformats.org/officeDocument/2006/customXml" ds:itemID="{DAEF031F-2EB2-4C8B-8A9E-43A1938AE6DD}">
   <ds:schemaRefs>
     <ds:schemaRef ds:uri="db1ba71c-7af1-4b32-a7fb-933a0143a84c"/>
@@ -22192,14 +22221,6 @@
     <ds:schemaRef ds:uri="http://schemas.microsoft.com/office/infopath/2007/PartnerControls"/>
     <ds:schemaRef ds:uri="http://schemas.openxmlformats.org/package/2006/metadata/core-properties"/>
     <ds:schemaRef ds:uri="http://www.w3.org/2001/XMLSchema"/>
-  </ds:schemaRefs>
-</ds:datastoreItem>
-</file>
-
-<file path=customXml/itemProps2.xml><?xml version="1.0" encoding="utf-8"?>
-<ds:datastoreItem xmlns:ds="http://schemas.openxmlformats.org/officeDocument/2006/customXml" ds:itemID="{6A3E3E0E-7412-4FCD-AD8F-4C21E78C6DD3}">
-  <ds:schemaRefs>
-    <ds:schemaRef ds:uri="http://schemas.microsoft.com/sharepoint/v3/contenttype/forms"/>
   </ds:schemaRefs>
 </ds:datastoreItem>
 </file>
